--- a/prezentace.pptx
+++ b/prezentace.pptx
@@ -110,6 +110,11 @@
       </a:defRPr>
     </a:lvl9pPr>
   </p:defaultTextStyle>
+  <p:extLst>
+    <p:ext uri="{EFAFB233-063F-42B5-8137-9DF3F51BA10A}">
+      <p15:sldGuideLst xmlns:p15="http://schemas.microsoft.com/office/powerpoint/2012/main"/>
+    </p:ext>
+  </p:extLst>
 </p:presentation>
 </file>
 
@@ -3809,8 +3814,13 @@
           <a:p>
             <a:r>
               <a:rPr lang="cs-CZ" dirty="0"/>
-              <a:t>Skupina D</a:t>
-            </a:r>
+              <a:t>Skupina D – Tereza kulovaná, Markéta </a:t>
+            </a:r>
+            <a:r>
+              <a:rPr lang="cs-CZ" dirty="0" err="1"/>
+              <a:t>pecenová</a:t>
+            </a:r>
+            <a:endParaRPr lang="cs-CZ" dirty="0"/>
           </a:p>
         </p:txBody>
       </p:sp>
@@ -3914,16 +3924,6 @@
               <a:t>Vytvoření sady dotazů</a:t>
             </a:r>
           </a:p>
-          <a:p>
-            <a:pPr>
-              <a:buFont typeface="Arial" panose="020B0604020202020204" pitchFamily="34" charset="0"/>
-              <a:buChar char="•"/>
-            </a:pPr>
-            <a:r>
-              <a:rPr lang="cs-CZ" sz="2800" dirty="0"/>
-              <a:t>Komplikace při volbě tématu</a:t>
-            </a:r>
-          </a:p>
         </p:txBody>
       </p:sp>
     </p:spTree>
@@ -4972,168 +4972,449 @@
             <a:spLocks noGrp="1"/>
           </p:cNvSpPr>
           <p:nvPr>
-            <p:ph idx="1"/>
-          </p:nvPr>
-        </p:nvSpPr>
-        <p:spPr/>
-        <p:txBody>
-          <a:bodyPr/>
+            <p:ph sz="half" idx="1"/>
+          </p:nvPr>
+        </p:nvSpPr>
+        <p:spPr>
+          <a:xfrm>
+            <a:off x="1097277" y="2955234"/>
+            <a:ext cx="10058399" cy="2913859"/>
+          </a:xfrm>
+        </p:spPr>
+        <p:txBody>
+          <a:bodyPr numCol="2">
+            <a:normAutofit fontScale="85000" lnSpcReduction="10000"/>
+          </a:bodyPr>
+          <a:lstStyle/>
+          <a:p>
+            <a:r>
+              <a:rPr lang="cs-CZ" dirty="0">
+                <a:latin typeface="Courier New" panose="02070309020205020404" pitchFamily="49" charset="0"/>
+                <a:cs typeface="Courier New" panose="02070309020205020404" pitchFamily="49" charset="0"/>
+              </a:rPr>
+              <a:t>SELECT </a:t>
+            </a:r>
+            <a:r>
+              <a:rPr lang="cs-CZ" dirty="0" err="1">
+                <a:latin typeface="Courier New" panose="02070309020205020404" pitchFamily="49" charset="0"/>
+                <a:cs typeface="Courier New" panose="02070309020205020404" pitchFamily="49" charset="0"/>
+              </a:rPr>
+              <a:t>o.nazev</a:t>
+            </a:r>
+            <a:r>
+              <a:rPr lang="cs-CZ" dirty="0">
+                <a:latin typeface="Courier New" panose="02070309020205020404" pitchFamily="49" charset="0"/>
+                <a:cs typeface="Courier New" panose="02070309020205020404" pitchFamily="49" charset="0"/>
+              </a:rPr>
+              <a:t>, </a:t>
+            </a:r>
+          </a:p>
+          <a:p>
+            <a:r>
+              <a:rPr lang="cs-CZ" dirty="0">
+                <a:latin typeface="Courier New" panose="02070309020205020404" pitchFamily="49" charset="0"/>
+                <a:cs typeface="Courier New" panose="02070309020205020404" pitchFamily="49" charset="0"/>
+              </a:rPr>
+              <a:t>COUNT(</a:t>
+            </a:r>
+            <a:r>
+              <a:rPr lang="cs-CZ" dirty="0" err="1">
+                <a:latin typeface="Courier New" panose="02070309020205020404" pitchFamily="49" charset="0"/>
+                <a:cs typeface="Courier New" panose="02070309020205020404" pitchFamily="49" charset="0"/>
+              </a:rPr>
+              <a:t>distinct</a:t>
+            </a:r>
+            <a:r>
+              <a:rPr lang="cs-CZ" dirty="0">
+                <a:latin typeface="Courier New" panose="02070309020205020404" pitchFamily="49" charset="0"/>
+                <a:cs typeface="Courier New" panose="02070309020205020404" pitchFamily="49" charset="0"/>
+              </a:rPr>
+              <a:t> </a:t>
+            </a:r>
+            <a:r>
+              <a:rPr lang="cs-CZ" dirty="0" err="1">
+                <a:latin typeface="Courier New" panose="02070309020205020404" pitchFamily="49" charset="0"/>
+                <a:cs typeface="Courier New" panose="02070309020205020404" pitchFamily="49" charset="0"/>
+              </a:rPr>
+              <a:t>dh.ogc_fid</a:t>
+            </a:r>
+            <a:r>
+              <a:rPr lang="cs-CZ" dirty="0">
+                <a:latin typeface="Courier New" panose="02070309020205020404" pitchFamily="49" charset="0"/>
+                <a:cs typeface="Courier New" panose="02070309020205020404" pitchFamily="49" charset="0"/>
+              </a:rPr>
+              <a:t>) </a:t>
+            </a:r>
+          </a:p>
+          <a:p>
+            <a:r>
+              <a:rPr lang="cs-CZ" dirty="0">
+                <a:latin typeface="Courier New" panose="02070309020205020404" pitchFamily="49" charset="0"/>
+                <a:cs typeface="Courier New" panose="02070309020205020404" pitchFamily="49" charset="0"/>
+              </a:rPr>
+              <a:t>FROM uzpd18_d.obvody AS o </a:t>
+            </a:r>
+          </a:p>
+          <a:p>
+            <a:r>
+              <a:rPr lang="cs-CZ" dirty="0">
+                <a:latin typeface="Courier New" panose="02070309020205020404" pitchFamily="49" charset="0"/>
+                <a:cs typeface="Courier New" panose="02070309020205020404" pitchFamily="49" charset="0"/>
+              </a:rPr>
+              <a:t>JOIN uzpd18_d.detska_hriste AS </a:t>
+            </a:r>
+            <a:r>
+              <a:rPr lang="cs-CZ" dirty="0" err="1">
+                <a:latin typeface="Courier New" panose="02070309020205020404" pitchFamily="49" charset="0"/>
+                <a:cs typeface="Courier New" panose="02070309020205020404" pitchFamily="49" charset="0"/>
+              </a:rPr>
+              <a:t>dh</a:t>
+            </a:r>
+            <a:r>
+              <a:rPr lang="cs-CZ" dirty="0">
+                <a:latin typeface="Courier New" panose="02070309020205020404" pitchFamily="49" charset="0"/>
+                <a:cs typeface="Courier New" panose="02070309020205020404" pitchFamily="49" charset="0"/>
+              </a:rPr>
+              <a:t> </a:t>
+            </a:r>
+          </a:p>
+          <a:p>
+            <a:r>
+              <a:rPr lang="cs-CZ" dirty="0">
+                <a:latin typeface="Courier New" panose="02070309020205020404" pitchFamily="49" charset="0"/>
+                <a:cs typeface="Courier New" panose="02070309020205020404" pitchFamily="49" charset="0"/>
+              </a:rPr>
+              <a:t>ON </a:t>
+            </a:r>
+            <a:r>
+              <a:rPr lang="cs-CZ" dirty="0" err="1">
+                <a:latin typeface="Courier New" panose="02070309020205020404" pitchFamily="49" charset="0"/>
+                <a:cs typeface="Courier New" panose="02070309020205020404" pitchFamily="49" charset="0"/>
+              </a:rPr>
+              <a:t>st_intersects</a:t>
+            </a:r>
+            <a:r>
+              <a:rPr lang="cs-CZ" dirty="0">
+                <a:latin typeface="Courier New" panose="02070309020205020404" pitchFamily="49" charset="0"/>
+                <a:cs typeface="Courier New" panose="02070309020205020404" pitchFamily="49" charset="0"/>
+              </a:rPr>
+              <a:t>(</a:t>
+            </a:r>
+            <a:r>
+              <a:rPr lang="cs-CZ" dirty="0" err="1">
+                <a:latin typeface="Courier New" panose="02070309020205020404" pitchFamily="49" charset="0"/>
+                <a:cs typeface="Courier New" panose="02070309020205020404" pitchFamily="49" charset="0"/>
+              </a:rPr>
+              <a:t>dh.geom</a:t>
+            </a:r>
+            <a:r>
+              <a:rPr lang="cs-CZ" dirty="0">
+                <a:latin typeface="Courier New" panose="02070309020205020404" pitchFamily="49" charset="0"/>
+                <a:cs typeface="Courier New" panose="02070309020205020404" pitchFamily="49" charset="0"/>
+              </a:rPr>
+              <a:t>, </a:t>
+            </a:r>
+            <a:r>
+              <a:rPr lang="cs-CZ" dirty="0" err="1">
+                <a:latin typeface="Courier New" panose="02070309020205020404" pitchFamily="49" charset="0"/>
+                <a:cs typeface="Courier New" panose="02070309020205020404" pitchFamily="49" charset="0"/>
+              </a:rPr>
+              <a:t>o.geom</a:t>
+            </a:r>
+            <a:r>
+              <a:rPr lang="cs-CZ" dirty="0">
+                <a:latin typeface="Courier New" panose="02070309020205020404" pitchFamily="49" charset="0"/>
+                <a:cs typeface="Courier New" panose="02070309020205020404" pitchFamily="49" charset="0"/>
+              </a:rPr>
+              <a:t>) </a:t>
+            </a:r>
+          </a:p>
+          <a:p>
+            <a:r>
+              <a:rPr lang="cs-CZ" dirty="0">
+                <a:latin typeface="Courier New" panose="02070309020205020404" pitchFamily="49" charset="0"/>
+                <a:cs typeface="Courier New" panose="02070309020205020404" pitchFamily="49" charset="0"/>
+              </a:rPr>
+              <a:t>GROUP BY </a:t>
+            </a:r>
+            <a:r>
+              <a:rPr lang="cs-CZ" dirty="0" err="1">
+                <a:latin typeface="Courier New" panose="02070309020205020404" pitchFamily="49" charset="0"/>
+                <a:cs typeface="Courier New" panose="02070309020205020404" pitchFamily="49" charset="0"/>
+              </a:rPr>
+              <a:t>o.nazev</a:t>
+            </a:r>
+            <a:endParaRPr lang="cs-CZ" dirty="0">
+              <a:latin typeface="Courier New" panose="02070309020205020404" pitchFamily="49" charset="0"/>
+              <a:cs typeface="Courier New" panose="02070309020205020404" pitchFamily="49" charset="0"/>
+            </a:endParaRPr>
+          </a:p>
+          <a:p>
+            <a:r>
+              <a:rPr lang="cs-CZ" dirty="0">
+                <a:latin typeface="Courier New" panose="02070309020205020404" pitchFamily="49" charset="0"/>
+                <a:cs typeface="Courier New" panose="02070309020205020404" pitchFamily="49" charset="0"/>
+              </a:rPr>
+              <a:t>HAVING COUNT(</a:t>
+            </a:r>
+            <a:r>
+              <a:rPr lang="cs-CZ" dirty="0" err="1">
+                <a:latin typeface="Courier New" panose="02070309020205020404" pitchFamily="49" charset="0"/>
+                <a:cs typeface="Courier New" panose="02070309020205020404" pitchFamily="49" charset="0"/>
+              </a:rPr>
+              <a:t>distinct</a:t>
+            </a:r>
+            <a:r>
+              <a:rPr lang="cs-CZ" dirty="0">
+                <a:latin typeface="Courier New" panose="02070309020205020404" pitchFamily="49" charset="0"/>
+                <a:cs typeface="Courier New" panose="02070309020205020404" pitchFamily="49" charset="0"/>
+              </a:rPr>
+              <a:t> </a:t>
+            </a:r>
+            <a:r>
+              <a:rPr lang="cs-CZ" dirty="0" err="1">
+                <a:latin typeface="Courier New" panose="02070309020205020404" pitchFamily="49" charset="0"/>
+                <a:cs typeface="Courier New" panose="02070309020205020404" pitchFamily="49" charset="0"/>
+              </a:rPr>
+              <a:t>dh.ogc_fid</a:t>
+            </a:r>
+            <a:r>
+              <a:rPr lang="cs-CZ" dirty="0">
+                <a:latin typeface="Courier New" panose="02070309020205020404" pitchFamily="49" charset="0"/>
+                <a:cs typeface="Courier New" panose="02070309020205020404" pitchFamily="49" charset="0"/>
+              </a:rPr>
+              <a:t>) = (</a:t>
+            </a:r>
+          </a:p>
+          <a:p>
+            <a:r>
+              <a:rPr lang="cs-CZ" dirty="0">
+                <a:latin typeface="Courier New" panose="02070309020205020404" pitchFamily="49" charset="0"/>
+                <a:cs typeface="Courier New" panose="02070309020205020404" pitchFamily="49" charset="0"/>
+              </a:rPr>
+              <a:t> SELECT COUNT(</a:t>
+            </a:r>
+            <a:r>
+              <a:rPr lang="cs-CZ" dirty="0" err="1">
+                <a:latin typeface="Courier New" panose="02070309020205020404" pitchFamily="49" charset="0"/>
+                <a:cs typeface="Courier New" panose="02070309020205020404" pitchFamily="49" charset="0"/>
+              </a:rPr>
+              <a:t>distinct</a:t>
+            </a:r>
+            <a:r>
+              <a:rPr lang="cs-CZ" dirty="0">
+                <a:latin typeface="Courier New" panose="02070309020205020404" pitchFamily="49" charset="0"/>
+                <a:cs typeface="Courier New" panose="02070309020205020404" pitchFamily="49" charset="0"/>
+              </a:rPr>
+              <a:t> </a:t>
+            </a:r>
+            <a:r>
+              <a:rPr lang="cs-CZ" dirty="0" err="1">
+                <a:latin typeface="Courier New" panose="02070309020205020404" pitchFamily="49" charset="0"/>
+                <a:cs typeface="Courier New" panose="02070309020205020404" pitchFamily="49" charset="0"/>
+              </a:rPr>
+              <a:t>dh.ogc_fid</a:t>
+            </a:r>
+            <a:r>
+              <a:rPr lang="cs-CZ" dirty="0">
+                <a:latin typeface="Courier New" panose="02070309020205020404" pitchFamily="49" charset="0"/>
+                <a:cs typeface="Courier New" panose="02070309020205020404" pitchFamily="49" charset="0"/>
+              </a:rPr>
+              <a:t>) </a:t>
+            </a:r>
+          </a:p>
+          <a:p>
+            <a:pPr algn="just"/>
+            <a:r>
+              <a:rPr lang="cs-CZ" dirty="0">
+                <a:latin typeface="Courier New" panose="02070309020205020404" pitchFamily="49" charset="0"/>
+                <a:cs typeface="Courier New" panose="02070309020205020404" pitchFamily="49" charset="0"/>
+              </a:rPr>
+              <a:t> FROM uzpd18_d.obvody AS o </a:t>
+            </a:r>
+          </a:p>
+          <a:p>
+            <a:r>
+              <a:rPr lang="cs-CZ" dirty="0">
+                <a:latin typeface="Courier New" panose="02070309020205020404" pitchFamily="49" charset="0"/>
+                <a:cs typeface="Courier New" panose="02070309020205020404" pitchFamily="49" charset="0"/>
+              </a:rPr>
+              <a:t> JOIN uzpd18_d.detska_hriste AS </a:t>
+            </a:r>
+            <a:r>
+              <a:rPr lang="cs-CZ" dirty="0" err="1">
+                <a:latin typeface="Courier New" panose="02070309020205020404" pitchFamily="49" charset="0"/>
+                <a:cs typeface="Courier New" panose="02070309020205020404" pitchFamily="49" charset="0"/>
+              </a:rPr>
+              <a:t>dh</a:t>
+            </a:r>
+            <a:r>
+              <a:rPr lang="cs-CZ" dirty="0">
+                <a:latin typeface="Courier New" panose="02070309020205020404" pitchFamily="49" charset="0"/>
+                <a:cs typeface="Courier New" panose="02070309020205020404" pitchFamily="49" charset="0"/>
+              </a:rPr>
+              <a:t> </a:t>
+            </a:r>
+          </a:p>
+          <a:p>
+            <a:r>
+              <a:rPr lang="cs-CZ" dirty="0">
+                <a:latin typeface="Courier New" panose="02070309020205020404" pitchFamily="49" charset="0"/>
+                <a:cs typeface="Courier New" panose="02070309020205020404" pitchFamily="49" charset="0"/>
+              </a:rPr>
+              <a:t> ON </a:t>
+            </a:r>
+            <a:r>
+              <a:rPr lang="cs-CZ" dirty="0" err="1">
+                <a:latin typeface="Courier New" panose="02070309020205020404" pitchFamily="49" charset="0"/>
+                <a:cs typeface="Courier New" panose="02070309020205020404" pitchFamily="49" charset="0"/>
+              </a:rPr>
+              <a:t>st_intersects</a:t>
+            </a:r>
+            <a:r>
+              <a:rPr lang="cs-CZ" dirty="0">
+                <a:latin typeface="Courier New" panose="02070309020205020404" pitchFamily="49" charset="0"/>
+                <a:cs typeface="Courier New" panose="02070309020205020404" pitchFamily="49" charset="0"/>
+              </a:rPr>
+              <a:t>(</a:t>
+            </a:r>
+            <a:r>
+              <a:rPr lang="cs-CZ" dirty="0" err="1">
+                <a:latin typeface="Courier New" panose="02070309020205020404" pitchFamily="49" charset="0"/>
+                <a:cs typeface="Courier New" panose="02070309020205020404" pitchFamily="49" charset="0"/>
+              </a:rPr>
+              <a:t>dh.geom</a:t>
+            </a:r>
+            <a:r>
+              <a:rPr lang="cs-CZ" dirty="0">
+                <a:latin typeface="Courier New" panose="02070309020205020404" pitchFamily="49" charset="0"/>
+                <a:cs typeface="Courier New" panose="02070309020205020404" pitchFamily="49" charset="0"/>
+              </a:rPr>
+              <a:t>, </a:t>
+            </a:r>
+            <a:r>
+              <a:rPr lang="cs-CZ" dirty="0" err="1">
+                <a:latin typeface="Courier New" panose="02070309020205020404" pitchFamily="49" charset="0"/>
+                <a:cs typeface="Courier New" panose="02070309020205020404" pitchFamily="49" charset="0"/>
+              </a:rPr>
+              <a:t>o.geom</a:t>
+            </a:r>
+            <a:r>
+              <a:rPr lang="cs-CZ" dirty="0">
+                <a:latin typeface="Courier New" panose="02070309020205020404" pitchFamily="49" charset="0"/>
+                <a:cs typeface="Courier New" panose="02070309020205020404" pitchFamily="49" charset="0"/>
+              </a:rPr>
+              <a:t>) </a:t>
+            </a:r>
+          </a:p>
+          <a:p>
+            <a:r>
+              <a:rPr lang="cs-CZ" dirty="0">
+                <a:latin typeface="Courier New" panose="02070309020205020404" pitchFamily="49" charset="0"/>
+                <a:cs typeface="Courier New" panose="02070309020205020404" pitchFamily="49" charset="0"/>
+              </a:rPr>
+              <a:t> GROUP BY </a:t>
+            </a:r>
+            <a:r>
+              <a:rPr lang="cs-CZ" dirty="0" err="1">
+                <a:latin typeface="Courier New" panose="02070309020205020404" pitchFamily="49" charset="0"/>
+                <a:cs typeface="Courier New" panose="02070309020205020404" pitchFamily="49" charset="0"/>
+              </a:rPr>
+              <a:t>o.nazev</a:t>
+            </a:r>
+            <a:r>
+              <a:rPr lang="cs-CZ" dirty="0">
+                <a:latin typeface="Courier New" panose="02070309020205020404" pitchFamily="49" charset="0"/>
+                <a:cs typeface="Courier New" panose="02070309020205020404" pitchFamily="49" charset="0"/>
+              </a:rPr>
+              <a:t> </a:t>
+            </a:r>
+          </a:p>
+          <a:p>
+            <a:r>
+              <a:rPr lang="cs-CZ" dirty="0">
+                <a:latin typeface="Courier New" panose="02070309020205020404" pitchFamily="49" charset="0"/>
+                <a:cs typeface="Courier New" panose="02070309020205020404" pitchFamily="49" charset="0"/>
+              </a:rPr>
+              <a:t> ORDER BY COUNT(</a:t>
+            </a:r>
+            <a:r>
+              <a:rPr lang="cs-CZ" dirty="0" err="1">
+                <a:latin typeface="Courier New" panose="02070309020205020404" pitchFamily="49" charset="0"/>
+                <a:cs typeface="Courier New" panose="02070309020205020404" pitchFamily="49" charset="0"/>
+              </a:rPr>
+              <a:t>distinct</a:t>
+            </a:r>
+            <a:r>
+              <a:rPr lang="cs-CZ" dirty="0">
+                <a:latin typeface="Courier New" panose="02070309020205020404" pitchFamily="49" charset="0"/>
+                <a:cs typeface="Courier New" panose="02070309020205020404" pitchFamily="49" charset="0"/>
+              </a:rPr>
+              <a:t> </a:t>
+            </a:r>
+            <a:r>
+              <a:rPr lang="cs-CZ" dirty="0" err="1">
+                <a:latin typeface="Courier New" panose="02070309020205020404" pitchFamily="49" charset="0"/>
+                <a:cs typeface="Courier New" panose="02070309020205020404" pitchFamily="49" charset="0"/>
+              </a:rPr>
+              <a:t>dh.ogc_fid</a:t>
+            </a:r>
+            <a:r>
+              <a:rPr lang="cs-CZ" dirty="0">
+                <a:latin typeface="Courier New" panose="02070309020205020404" pitchFamily="49" charset="0"/>
+                <a:cs typeface="Courier New" panose="02070309020205020404" pitchFamily="49" charset="0"/>
+              </a:rPr>
+              <a:t>) </a:t>
+            </a:r>
+          </a:p>
+          <a:p>
+            <a:r>
+              <a:rPr lang="cs-CZ" dirty="0">
+                <a:latin typeface="Courier New" panose="02070309020205020404" pitchFamily="49" charset="0"/>
+                <a:cs typeface="Courier New" panose="02070309020205020404" pitchFamily="49" charset="0"/>
+              </a:rPr>
+              <a:t> DESC LIMIT 1);</a:t>
+            </a:r>
+          </a:p>
+        </p:txBody>
+      </p:sp>
+      <p:sp>
+        <p:nvSpPr>
+          <p:cNvPr id="4" name="Zástupný symbol pro obsah 3">
+            <a:extLst>
+              <a:ext uri="{FF2B5EF4-FFF2-40B4-BE49-F238E27FC236}">
+                <a16:creationId xmlns:a16="http://schemas.microsoft.com/office/drawing/2014/main" id="{93A885CF-8E36-4C26-9A15-91AC8C17F858}"/>
+              </a:ext>
+            </a:extLst>
+          </p:cNvPr>
+          <p:cNvSpPr>
+            <a:spLocks noGrp="1"/>
+          </p:cNvSpPr>
+          <p:nvPr>
+            <p:ph sz="half" idx="2"/>
+          </p:nvPr>
+        </p:nvSpPr>
+        <p:spPr>
+          <a:xfrm>
+            <a:off x="1205948" y="1845736"/>
+            <a:ext cx="9949732" cy="632421"/>
+          </a:xfrm>
+        </p:spPr>
+        <p:txBody>
+          <a:bodyPr>
+            <a:normAutofit fontScale="85000" lnSpcReduction="10000"/>
+          </a:bodyPr>
           <a:lstStyle/>
           <a:p>
             <a:r>
               <a:rPr lang="cs-CZ" sz="2400" dirty="0"/>
-              <a:t>Kolik adresních míst leží ve vzdálenosti do 500 m od výlezu ze stanice metra Depo Hostivař?</a:t>
-            </a:r>
-          </a:p>
-          <a:p>
-            <a:r>
-              <a:rPr lang="cs-CZ" sz="2400" dirty="0"/>
-              <a:t>(48)</a:t>
-            </a:r>
-            <a:endParaRPr lang="cs-CZ" dirty="0"/>
-          </a:p>
-          <a:p>
-            <a:r>
-              <a:rPr lang="cs-CZ" dirty="0">
-                <a:latin typeface="Courier New" panose="02070309020205020404" pitchFamily="49" charset="0"/>
-                <a:cs typeface="Courier New" panose="02070309020205020404" pitchFamily="49" charset="0"/>
-              </a:rPr>
-              <a:t>SELECT </a:t>
-            </a:r>
-            <a:r>
-              <a:rPr lang="cs-CZ" dirty="0" err="1">
-                <a:latin typeface="Courier New" panose="02070309020205020404" pitchFamily="49" charset="0"/>
-                <a:cs typeface="Courier New" panose="02070309020205020404" pitchFamily="49" charset="0"/>
-              </a:rPr>
-              <a:t>count</a:t>
-            </a:r>
-            <a:r>
-              <a:rPr lang="cs-CZ" dirty="0">
-                <a:latin typeface="Courier New" panose="02070309020205020404" pitchFamily="49" charset="0"/>
-                <a:cs typeface="Courier New" panose="02070309020205020404" pitchFamily="49" charset="0"/>
-              </a:rPr>
-              <a:t>(</a:t>
-            </a:r>
-            <a:r>
-              <a:rPr lang="cs-CZ" dirty="0" err="1">
-                <a:latin typeface="Courier New" panose="02070309020205020404" pitchFamily="49" charset="0"/>
-                <a:cs typeface="Courier New" panose="02070309020205020404" pitchFamily="49" charset="0"/>
-              </a:rPr>
-              <a:t>distinct</a:t>
-            </a:r>
-            <a:r>
-              <a:rPr lang="cs-CZ" dirty="0">
-                <a:latin typeface="Courier New" panose="02070309020205020404" pitchFamily="49" charset="0"/>
-                <a:cs typeface="Courier New" panose="02070309020205020404" pitchFamily="49" charset="0"/>
-              </a:rPr>
-              <a:t> </a:t>
-            </a:r>
-            <a:r>
-              <a:rPr lang="cs-CZ" dirty="0" err="1">
-                <a:latin typeface="Courier New" panose="02070309020205020404" pitchFamily="49" charset="0"/>
-                <a:cs typeface="Courier New" panose="02070309020205020404" pitchFamily="49" charset="0"/>
-              </a:rPr>
-              <a:t>a.kod</a:t>
-            </a:r>
-            <a:r>
-              <a:rPr lang="cs-CZ" dirty="0">
-                <a:latin typeface="Courier New" panose="02070309020205020404" pitchFamily="49" charset="0"/>
-                <a:cs typeface="Courier New" panose="02070309020205020404" pitchFamily="49" charset="0"/>
-              </a:rPr>
-              <a:t>) </a:t>
-            </a:r>
-          </a:p>
-          <a:p>
-            <a:r>
-              <a:rPr lang="cs-CZ" dirty="0">
-                <a:latin typeface="Courier New" panose="02070309020205020404" pitchFamily="49" charset="0"/>
-                <a:cs typeface="Courier New" panose="02070309020205020404" pitchFamily="49" charset="0"/>
-              </a:rPr>
-              <a:t>FROM uzpd18_d.adresni_mista AS a</a:t>
-            </a:r>
-          </a:p>
-          <a:p>
-            <a:r>
-              <a:rPr lang="cs-CZ" dirty="0">
-                <a:latin typeface="Courier New" panose="02070309020205020404" pitchFamily="49" charset="0"/>
-                <a:cs typeface="Courier New" panose="02070309020205020404" pitchFamily="49" charset="0"/>
-              </a:rPr>
-              <a:t>JOIN uzpd18_d.metro AS m</a:t>
-            </a:r>
-          </a:p>
-          <a:p>
-            <a:r>
-              <a:rPr lang="cs-CZ" dirty="0">
-                <a:latin typeface="Courier New" panose="02070309020205020404" pitchFamily="49" charset="0"/>
-                <a:cs typeface="Courier New" panose="02070309020205020404" pitchFamily="49" charset="0"/>
-              </a:rPr>
-              <a:t>ON </a:t>
-            </a:r>
-            <a:r>
-              <a:rPr lang="cs-CZ" dirty="0" err="1">
-                <a:latin typeface="Courier New" panose="02070309020205020404" pitchFamily="49" charset="0"/>
-                <a:cs typeface="Courier New" panose="02070309020205020404" pitchFamily="49" charset="0"/>
-              </a:rPr>
-              <a:t>st_dwithin</a:t>
-            </a:r>
-            <a:r>
-              <a:rPr lang="cs-CZ" dirty="0">
-                <a:latin typeface="Courier New" panose="02070309020205020404" pitchFamily="49" charset="0"/>
-                <a:cs typeface="Courier New" panose="02070309020205020404" pitchFamily="49" charset="0"/>
-              </a:rPr>
-              <a:t>(</a:t>
-            </a:r>
-            <a:r>
-              <a:rPr lang="cs-CZ" dirty="0" err="1">
-                <a:latin typeface="Courier New" panose="02070309020205020404" pitchFamily="49" charset="0"/>
-                <a:cs typeface="Courier New" panose="02070309020205020404" pitchFamily="49" charset="0"/>
-              </a:rPr>
-              <a:t>a.geom</a:t>
-            </a:r>
-            <a:r>
-              <a:rPr lang="cs-CZ" dirty="0">
-                <a:latin typeface="Courier New" panose="02070309020205020404" pitchFamily="49" charset="0"/>
-                <a:cs typeface="Courier New" panose="02070309020205020404" pitchFamily="49" charset="0"/>
-              </a:rPr>
-              <a:t>, </a:t>
-            </a:r>
-            <a:r>
-              <a:rPr lang="cs-CZ" dirty="0" err="1">
-                <a:latin typeface="Courier New" panose="02070309020205020404" pitchFamily="49" charset="0"/>
-                <a:cs typeface="Courier New" panose="02070309020205020404" pitchFamily="49" charset="0"/>
-              </a:rPr>
-              <a:t>m.geom</a:t>
-            </a:r>
-            <a:r>
-              <a:rPr lang="cs-CZ" dirty="0">
-                <a:latin typeface="Courier New" panose="02070309020205020404" pitchFamily="49" charset="0"/>
-                <a:cs typeface="Courier New" panose="02070309020205020404" pitchFamily="49" charset="0"/>
-              </a:rPr>
-              <a:t>, 500)</a:t>
-            </a:r>
-          </a:p>
-          <a:p>
-            <a:r>
-              <a:rPr lang="cs-CZ" dirty="0">
-                <a:latin typeface="Courier New" panose="02070309020205020404" pitchFamily="49" charset="0"/>
-                <a:cs typeface="Courier New" panose="02070309020205020404" pitchFamily="49" charset="0"/>
-              </a:rPr>
-              <a:t>WHERE </a:t>
-            </a:r>
-            <a:r>
-              <a:rPr lang="cs-CZ" dirty="0" err="1">
-                <a:latin typeface="Courier New" panose="02070309020205020404" pitchFamily="49" charset="0"/>
-                <a:cs typeface="Courier New" panose="02070309020205020404" pitchFamily="49" charset="0"/>
-              </a:rPr>
-              <a:t>m.nazev</a:t>
-            </a:r>
-            <a:r>
-              <a:rPr lang="cs-CZ" dirty="0">
-                <a:latin typeface="Courier New" panose="02070309020205020404" pitchFamily="49" charset="0"/>
-                <a:cs typeface="Courier New" panose="02070309020205020404" pitchFamily="49" charset="0"/>
-              </a:rPr>
-              <a:t> = 'Depo Hostivař';</a:t>
-            </a:r>
+              <a:t>Na území kterého pražského správního obvodu se nachází největší množství dětských hřišť a kolik to je?         </a:t>
+            </a:r>
+            <a:r>
+              <a:rPr lang="cs-CZ" sz="1900" dirty="0"/>
+              <a:t>(Praha 3, Praha 4, 14)</a:t>
+            </a:r>
+            <a:endParaRPr lang="cs-CZ" sz="2400" dirty="0"/>
           </a:p>
         </p:txBody>
       </p:sp>
